--- a/Timeline.pptx
+++ b/Timeline.pptx
@@ -169,19 +169,19 @@
                   <c:formatCode>General</c:formatCode>
                   <c:ptCount val="13"/>
                   <c:pt idx="0">
-                    <c:v>29.25</c:v>
+                    <c:v>58.5</c:v>
                   </c:pt>
                   <c:pt idx="1">
-                    <c:v>9.1</c:v>
+                    <c:v>18.2</c:v>
                   </c:pt>
                   <c:pt idx="2">
-                    <c:v>6.1000000000000005</c:v>
+                    <c:v>18.3</c:v>
                   </c:pt>
                   <c:pt idx="3">
                     <c:v>27</c:v>
                   </c:pt>
                   <c:pt idx="4">
-                    <c:v>0</c:v>
+                    <c:v>1.35</c:v>
                   </c:pt>
                   <c:pt idx="5">
                     <c:v>0</c:v>
@@ -190,22 +190,22 @@
                     <c:v>0</c:v>
                   </c:pt>
                   <c:pt idx="7">
-                    <c:v>21.75</c:v>
+                    <c:v>26.099999999999998</c:v>
                   </c:pt>
                   <c:pt idx="8">
-                    <c:v>22</c:v>
+                    <c:v>28.6</c:v>
                   </c:pt>
                   <c:pt idx="9">
-                    <c:v>0</c:v>
+                    <c:v>1.56</c:v>
                   </c:pt>
                   <c:pt idx="10">
-                    <c:v>0.6</c:v>
+                    <c:v>1.5</c:v>
                   </c:pt>
                   <c:pt idx="11">
                     <c:v>0</c:v>
                   </c:pt>
                   <c:pt idx="12">
-                    <c:v>19.721397379912663</c:v>
+                    <c:v>30.844061135371174</c:v>
                   </c:pt>
                 </c:numCache>
               </c:numRef>
@@ -369,7 +369,7 @@
                   <a:bodyPr/>
                   <a:lstStyle/>
                   <a:p>
-                    <a:fld id="{89B8EC72-DF1A-224E-8268-F0B169364F65}" type="CELLRANGE">
+                    <a:fld id="{9152D544-1041-3C41-A92E-748C92929DB4}" type="CELLRANGE">
                       <a:rPr lang="en-US"/>
                       <a:pPr/>
                       <a:t>[CELLRANGE]</a:t>
@@ -402,7 +402,7 @@
                   <a:bodyPr/>
                   <a:lstStyle/>
                   <a:p>
-                    <a:fld id="{F006A574-1011-C742-BB8B-755AA75B6FD2}" type="CELLRANGE">
+                    <a:fld id="{AEA9DECC-8D75-254D-A332-93812BD83971}" type="CELLRANGE">
                       <a:rPr lang="en-US"/>
                       <a:pPr/>
                       <a:t>[CELLRANGE]</a:t>
@@ -435,7 +435,7 @@
                   <a:bodyPr/>
                   <a:lstStyle/>
                   <a:p>
-                    <a:fld id="{9B2909D0-F9E9-3B44-9BB6-BA287C29697F}" type="CELLRANGE">
+                    <a:fld id="{BEA10C5D-F1EA-E242-9AB1-FB16D0CF5B15}" type="CELLRANGE">
                       <a:rPr lang="en-US"/>
                       <a:pPr/>
                       <a:t>[CELLRANGE]</a:t>
@@ -468,7 +468,7 @@
                   <a:bodyPr/>
                   <a:lstStyle/>
                   <a:p>
-                    <a:fld id="{65EE89CE-D1BB-8A45-8DD2-3DCF7AA89333}" type="CELLRANGE">
+                    <a:fld id="{14B62ADF-CD24-9045-BF9C-C5559C618F76}" type="CELLRANGE">
                       <a:rPr lang="en-US"/>
                       <a:pPr/>
                       <a:t>[CELLRANGE]</a:t>
@@ -501,7 +501,7 @@
                   <a:bodyPr/>
                   <a:lstStyle/>
                   <a:p>
-                    <a:fld id="{9233D564-E22A-1140-9D23-114954A9930B}" type="CELLRANGE">
+                    <a:fld id="{8910D6C3-C80B-C54D-AFE4-0B5BC819DBF7}" type="CELLRANGE">
                       <a:rPr lang="en-US"/>
                       <a:pPr/>
                       <a:t>[CELLRANGE]</a:t>
@@ -534,7 +534,7 @@
                   <a:bodyPr/>
                   <a:lstStyle/>
                   <a:p>
-                    <a:fld id="{B71E8EEF-31AB-C246-9062-DA8C0DFFD162}" type="CELLRANGE">
+                    <a:fld id="{1EFFE259-B099-E348-B026-40163B56C4B1}" type="CELLRANGE">
                       <a:rPr lang="en-US"/>
                       <a:pPr/>
                       <a:t>[CELLRANGE]</a:t>
@@ -567,7 +567,7 @@
                   <a:bodyPr/>
                   <a:lstStyle/>
                   <a:p>
-                    <a:fld id="{DF68F9B2-F726-9646-BC9D-35A79658D097}" type="CELLRANGE">
+                    <a:fld id="{4277165B-AEA1-5F48-8F53-592FEA527FE7}" type="CELLRANGE">
                       <a:rPr lang="en-US"/>
                       <a:pPr/>
                       <a:t>[CELLRANGE]</a:t>
@@ -600,7 +600,7 @@
                   <a:bodyPr/>
                   <a:lstStyle/>
                   <a:p>
-                    <a:fld id="{39DC3591-DF86-F449-B6D8-E61F5C13487F}" type="CELLRANGE">
+                    <a:fld id="{19D27627-03D6-5041-9870-E3877CA3B762}" type="CELLRANGE">
                       <a:rPr lang="en-US"/>
                       <a:pPr/>
                       <a:t>[CELLRANGE]</a:t>
@@ -633,7 +633,7 @@
                   <a:bodyPr/>
                   <a:lstStyle/>
                   <a:p>
-                    <a:fld id="{A4CE128C-864E-6C43-8C39-70C074D054B5}" type="CELLRANGE">
+                    <a:fld id="{0AF59DD1-BD85-6F47-B59B-C2DABD6D0053}" type="CELLRANGE">
                       <a:rPr lang="en-US"/>
                       <a:pPr/>
                       <a:t>[CELLRANGE]</a:t>
@@ -666,7 +666,7 @@
                   <a:bodyPr/>
                   <a:lstStyle/>
                   <a:p>
-                    <a:fld id="{8232CF27-7AD0-B248-91F3-DF2643804BED}" type="CELLRANGE">
+                    <a:fld id="{EFC403E2-2BEE-A446-B55D-2DA40BDB3D55}" type="CELLRANGE">
                       <a:rPr lang="en-US"/>
                       <a:pPr/>
                       <a:t>[CELLRANGE]</a:t>
@@ -699,7 +699,7 @@
                   <a:bodyPr/>
                   <a:lstStyle/>
                   <a:p>
-                    <a:fld id="{349D3147-5B56-D648-BAAD-A2466C95960E}" type="CELLRANGE">
+                    <a:fld id="{CC4EFE90-9231-D24E-AFD3-605BE7419DCB}" type="CELLRANGE">
                       <a:rPr lang="en-US"/>
                       <a:pPr/>
                       <a:t>[CELLRANGE]</a:t>
@@ -732,7 +732,7 @@
                   <a:bodyPr/>
                   <a:lstStyle/>
                   <a:p>
-                    <a:fld id="{EE3DE461-4C7C-3941-BB3D-48F9FB772EA4}" type="CELLRANGE">
+                    <a:fld id="{47318BF9-8C8D-B144-99A8-1B2DD150BDB7}" type="CELLRANGE">
                       <a:rPr lang="en-US"/>
                       <a:pPr/>
                       <a:t>[CELLRANGE]</a:t>
@@ -765,7 +765,7 @@
                   <a:bodyPr/>
                   <a:lstStyle/>
                   <a:p>
-                    <a:fld id="{EC4443B2-0558-BC4F-9F9F-370034660A54}" type="CELLRANGE">
+                    <a:fld id="{D2DDE26F-B780-8345-9336-27DE0EF7B3C2}" type="CELLRANGE">
                       <a:rPr lang="en-US"/>
                       <a:pPr/>
                       <a:t>[CELLRANGE]</a:t>
@@ -945,19 +945,19 @@
                 <c15:dlblRangeCache>
                   <c:ptCount val="13"/>
                   <c:pt idx="0">
-                    <c:v>25%</c:v>
+                    <c:v>50%</c:v>
                   </c:pt>
                   <c:pt idx="1">
-                    <c:v>10%</c:v>
+                    <c:v>20%</c:v>
                   </c:pt>
                   <c:pt idx="2">
-                    <c:v>10%</c:v>
+                    <c:v>30%</c:v>
                   </c:pt>
                   <c:pt idx="3">
                     <c:v>50%</c:v>
                   </c:pt>
                   <c:pt idx="4">
-                    <c:v>0%</c:v>
+                    <c:v>5%</c:v>
                   </c:pt>
                   <c:pt idx="5">
                     <c:v>0%</c:v>
@@ -966,22 +966,22 @@
                     <c:v>0%</c:v>
                   </c:pt>
                   <c:pt idx="7">
-                    <c:v>25%</c:v>
+                    <c:v>30%</c:v>
                   </c:pt>
                   <c:pt idx="8">
-                    <c:v>50%</c:v>
+                    <c:v>65%</c:v>
                   </c:pt>
                   <c:pt idx="9">
-                    <c:v>0%</c:v>
+                    <c:v>2%</c:v>
                   </c:pt>
                   <c:pt idx="10">
-                    <c:v>2%</c:v>
+                    <c:v>5%</c:v>
                   </c:pt>
                   <c:pt idx="11">
                     <c:v>0%</c:v>
                   </c:pt>
                   <c:pt idx="12">
-                    <c:v>17%</c:v>
+                    <c:v>26%</c:v>
                   </c:pt>
                 </c15:dlblRangeCache>
               </c15:datalabelsRange>
@@ -1848,7 +1848,7 @@
           <a:p>
             <a:fld id="{377F0BF2-B667-064D-B2CF-6A81BEC6CF49}" type="datetimeFigureOut">
               <a:rPr lang="en-US" smtClean="0"/>
-              <a:t>4/25/25</a:t>
+              <a:t>5/1/25</a:t>
             </a:fld>
             <a:endParaRPr lang="en-US"/>
           </a:p>
@@ -2046,7 +2046,7 @@
           <a:p>
             <a:fld id="{377F0BF2-B667-064D-B2CF-6A81BEC6CF49}" type="datetimeFigureOut">
               <a:rPr lang="en-US" smtClean="0"/>
-              <a:t>4/25/25</a:t>
+              <a:t>5/1/25</a:t>
             </a:fld>
             <a:endParaRPr lang="en-US"/>
           </a:p>
@@ -2254,7 +2254,7 @@
           <a:p>
             <a:fld id="{377F0BF2-B667-064D-B2CF-6A81BEC6CF49}" type="datetimeFigureOut">
               <a:rPr lang="en-US" smtClean="0"/>
-              <a:t>4/25/25</a:t>
+              <a:t>5/1/25</a:t>
             </a:fld>
             <a:endParaRPr lang="en-US"/>
           </a:p>
@@ -2452,7 +2452,7 @@
           <a:p>
             <a:fld id="{377F0BF2-B667-064D-B2CF-6A81BEC6CF49}" type="datetimeFigureOut">
               <a:rPr lang="en-US" smtClean="0"/>
-              <a:t>4/25/25</a:t>
+              <a:t>5/1/25</a:t>
             </a:fld>
             <a:endParaRPr lang="en-US"/>
           </a:p>
@@ -2727,7 +2727,7 @@
           <a:p>
             <a:fld id="{377F0BF2-B667-064D-B2CF-6A81BEC6CF49}" type="datetimeFigureOut">
               <a:rPr lang="en-US" smtClean="0"/>
-              <a:t>4/25/25</a:t>
+              <a:t>5/1/25</a:t>
             </a:fld>
             <a:endParaRPr lang="en-US"/>
           </a:p>
@@ -2992,7 +2992,7 @@
           <a:p>
             <a:fld id="{377F0BF2-B667-064D-B2CF-6A81BEC6CF49}" type="datetimeFigureOut">
               <a:rPr lang="en-US" smtClean="0"/>
-              <a:t>4/25/25</a:t>
+              <a:t>5/1/25</a:t>
             </a:fld>
             <a:endParaRPr lang="en-US"/>
           </a:p>
@@ -3404,7 +3404,7 @@
           <a:p>
             <a:fld id="{377F0BF2-B667-064D-B2CF-6A81BEC6CF49}" type="datetimeFigureOut">
               <a:rPr lang="en-US" smtClean="0"/>
-              <a:t>4/25/25</a:t>
+              <a:t>5/1/25</a:t>
             </a:fld>
             <a:endParaRPr lang="en-US"/>
           </a:p>
@@ -3545,7 +3545,7 @@
           <a:p>
             <a:fld id="{377F0BF2-B667-064D-B2CF-6A81BEC6CF49}" type="datetimeFigureOut">
               <a:rPr lang="en-US" smtClean="0"/>
-              <a:t>4/25/25</a:t>
+              <a:t>5/1/25</a:t>
             </a:fld>
             <a:endParaRPr lang="en-US"/>
           </a:p>
@@ -3658,7 +3658,7 @@
           <a:p>
             <a:fld id="{377F0BF2-B667-064D-B2CF-6A81BEC6CF49}" type="datetimeFigureOut">
               <a:rPr lang="en-US" smtClean="0"/>
-              <a:t>4/25/25</a:t>
+              <a:t>5/1/25</a:t>
             </a:fld>
             <a:endParaRPr lang="en-US"/>
           </a:p>
@@ -3969,7 +3969,7 @@
           <a:p>
             <a:fld id="{377F0BF2-B667-064D-B2CF-6A81BEC6CF49}" type="datetimeFigureOut">
               <a:rPr lang="en-US" smtClean="0"/>
-              <a:t>4/25/25</a:t>
+              <a:t>5/1/25</a:t>
             </a:fld>
             <a:endParaRPr lang="en-US"/>
           </a:p>
@@ -4257,7 +4257,7 @@
           <a:p>
             <a:fld id="{377F0BF2-B667-064D-B2CF-6A81BEC6CF49}" type="datetimeFigureOut">
               <a:rPr lang="en-US" smtClean="0"/>
-              <a:t>4/25/25</a:t>
+              <a:t>5/1/25</a:t>
             </a:fld>
             <a:endParaRPr lang="en-US"/>
           </a:p>
@@ -4498,7 +4498,7 @@
           <a:p>
             <a:fld id="{377F0BF2-B667-064D-B2CF-6A81BEC6CF49}" type="datetimeFigureOut">
               <a:rPr lang="en-US" smtClean="0"/>
-              <a:t>4/25/25</a:t>
+              <a:t>5/1/25</a:t>
             </a:fld>
             <a:endParaRPr lang="en-US"/>
           </a:p>
@@ -5003,7 +5003,7 @@
           <p:nvPr>
             <p:extLst>
               <p:ext uri="{D42A27DB-BD31-4B8C-83A1-F6EECF244321}">
-                <p14:modId xmlns:p14="http://schemas.microsoft.com/office/powerpoint/2010/main" val="3109976902"/>
+                <p14:modId xmlns:p14="http://schemas.microsoft.com/office/powerpoint/2010/main" val="1523127077"/>
               </p:ext>
             </p:extLst>
           </p:nvPr>
@@ -5034,7 +5034,7 @@
         </p:nvCxnSpPr>
         <p:spPr>
           <a:xfrm>
-            <a:off x="3046438" y="1348509"/>
+            <a:off x="3570780" y="1343866"/>
             <a:ext cx="0" cy="4316934"/>
           </a:xfrm>
           <a:prstGeom prst="line">
